--- a/slides/Hack-Free Layouts with CSS Grid.pptx
+++ b/slides/Hack-Free Layouts with CSS Grid.pptx
@@ -113,6 +113,11 @@
       </a:defRPr>
     </a:lvl9pPr>
   </p:defaultTextStyle>
+  <p:extLst>
+    <p:ext uri="{EFAFB233-063F-42B5-8137-9DF3F51BA10A}">
+      <p15:sldGuideLst xmlns:p15="http://schemas.microsoft.com/office/powerpoint/2012/main"/>
+    </p:ext>
+  </p:extLst>
 </p:presentation>
 </file>
 
@@ -333,7 +338,7 @@
           <a:p>
             <a:fld id="{82EB89F9-802F-4316-8B56-B44C5979EDBC}" type="datetimeFigureOut">
               <a:rPr lang="en-US" smtClean="0"/>
-              <a:t>2/6/2018</a:t>
+              <a:t>2/7/2018</a:t>
             </a:fld>
             <a:endParaRPr lang="en-US"/>
           </a:p>
@@ -629,7 +634,7 @@
           <a:p>
             <a:fld id="{82EB89F9-802F-4316-8B56-B44C5979EDBC}" type="datetimeFigureOut">
               <a:rPr lang="en-US" smtClean="0"/>
-              <a:t>2/6/2018</a:t>
+              <a:t>2/7/2018</a:t>
             </a:fld>
             <a:endParaRPr lang="en-US"/>
           </a:p>
@@ -888,7 +893,7 @@
           <a:p>
             <a:fld id="{82EB89F9-802F-4316-8B56-B44C5979EDBC}" type="datetimeFigureOut">
               <a:rPr lang="en-US" smtClean="0"/>
-              <a:t>2/6/2018</a:t>
+              <a:t>2/7/2018</a:t>
             </a:fld>
             <a:endParaRPr lang="en-US"/>
           </a:p>
@@ -1357,7 +1362,7 @@
           <a:p>
             <a:fld id="{82EB89F9-802F-4316-8B56-B44C5979EDBC}" type="datetimeFigureOut">
               <a:rPr lang="en-US" smtClean="0"/>
-              <a:t>2/6/2018</a:t>
+              <a:t>2/7/2018</a:t>
             </a:fld>
             <a:endParaRPr lang="en-US"/>
           </a:p>
@@ -1537,7 +1542,7 @@
           <a:p>
             <a:fld id="{82EB89F9-802F-4316-8B56-B44C5979EDBC}" type="datetimeFigureOut">
               <a:rPr lang="en-US" smtClean="0"/>
-              <a:t>2/6/2018</a:t>
+              <a:t>2/7/2018</a:t>
             </a:fld>
             <a:endParaRPr lang="en-US"/>
           </a:p>
@@ -2113,7 +2118,7 @@
           <a:p>
             <a:fld id="{82EB89F9-802F-4316-8B56-B44C5979EDBC}" type="datetimeFigureOut">
               <a:rPr lang="en-US" smtClean="0"/>
-              <a:t>2/6/2018</a:t>
+              <a:t>2/7/2018</a:t>
             </a:fld>
             <a:endParaRPr lang="en-US"/>
           </a:p>
@@ -2445,7 +2450,7 @@
           <a:p>
             <a:fld id="{82EB89F9-802F-4316-8B56-B44C5979EDBC}" type="datetimeFigureOut">
               <a:rPr lang="en-US" smtClean="0"/>
-              <a:t>2/6/2018</a:t>
+              <a:t>2/7/2018</a:t>
             </a:fld>
             <a:endParaRPr lang="en-US"/>
           </a:p>
@@ -2620,7 +2625,7 @@
           <a:p>
             <a:fld id="{82EB89F9-802F-4316-8B56-B44C5979EDBC}" type="datetimeFigureOut">
               <a:rPr lang="en-US" smtClean="0"/>
-              <a:t>2/6/2018</a:t>
+              <a:t>2/7/2018</a:t>
             </a:fld>
             <a:endParaRPr lang="en-US"/>
           </a:p>
@@ -2800,7 +2805,7 @@
           <a:p>
             <a:fld id="{82EB89F9-802F-4316-8B56-B44C5979EDBC}" type="datetimeFigureOut">
               <a:rPr lang="en-US" smtClean="0"/>
-              <a:t>2/6/2018</a:t>
+              <a:t>2/7/2018</a:t>
             </a:fld>
             <a:endParaRPr lang="en-US"/>
           </a:p>
@@ -2975,7 +2980,7 @@
           <a:p>
             <a:fld id="{82EB89F9-802F-4316-8B56-B44C5979EDBC}" type="datetimeFigureOut">
               <a:rPr lang="en-US" smtClean="0"/>
-              <a:t>2/6/2018</a:t>
+              <a:t>2/7/2018</a:t>
             </a:fld>
             <a:endParaRPr lang="en-US"/>
           </a:p>
@@ -3232,7 +3237,7 @@
           <a:p>
             <a:fld id="{82EB89F9-802F-4316-8B56-B44C5979EDBC}" type="datetimeFigureOut">
               <a:rPr lang="en-US" smtClean="0"/>
-              <a:t>2/6/2018</a:t>
+              <a:t>2/7/2018</a:t>
             </a:fld>
             <a:endParaRPr lang="en-US"/>
           </a:p>
@@ -3529,7 +3534,7 @@
           <a:p>
             <a:fld id="{82EB89F9-802F-4316-8B56-B44C5979EDBC}" type="datetimeFigureOut">
               <a:rPr lang="en-US" smtClean="0"/>
-              <a:t>2/6/2018</a:t>
+              <a:t>2/7/2018</a:t>
             </a:fld>
             <a:endParaRPr lang="en-US"/>
           </a:p>
@@ -3959,7 +3964,7 @@
           <a:p>
             <a:fld id="{82EB89F9-802F-4316-8B56-B44C5979EDBC}" type="datetimeFigureOut">
               <a:rPr lang="en-US" smtClean="0"/>
-              <a:t>2/6/2018</a:t>
+              <a:t>2/7/2018</a:t>
             </a:fld>
             <a:endParaRPr lang="en-US"/>
           </a:p>
@@ -4077,7 +4082,7 @@
           <a:p>
             <a:fld id="{82EB89F9-802F-4316-8B56-B44C5979EDBC}" type="datetimeFigureOut">
               <a:rPr lang="en-US" smtClean="0"/>
-              <a:t>2/6/2018</a:t>
+              <a:t>2/7/2018</a:t>
             </a:fld>
             <a:endParaRPr lang="en-US"/>
           </a:p>
@@ -4172,7 +4177,7 @@
           <a:p>
             <a:fld id="{82EB89F9-802F-4316-8B56-B44C5979EDBC}" type="datetimeFigureOut">
               <a:rPr lang="en-US" smtClean="0"/>
-              <a:t>2/6/2018</a:t>
+              <a:t>2/7/2018</a:t>
             </a:fld>
             <a:endParaRPr lang="en-US"/>
           </a:p>
@@ -4455,7 +4460,7 @@
           <a:p>
             <a:fld id="{82EB89F9-802F-4316-8B56-B44C5979EDBC}" type="datetimeFigureOut">
               <a:rPr lang="en-US" smtClean="0"/>
-              <a:t>2/6/2018</a:t>
+              <a:t>2/7/2018</a:t>
             </a:fld>
             <a:endParaRPr lang="en-US"/>
           </a:p>
@@ -4746,7 +4751,7 @@
           <a:p>
             <a:fld id="{82EB89F9-802F-4316-8B56-B44C5979EDBC}" type="datetimeFigureOut">
               <a:rPr lang="en-US" smtClean="0"/>
-              <a:t>2/6/2018</a:t>
+              <a:t>2/7/2018</a:t>
             </a:fld>
             <a:endParaRPr lang="en-US"/>
           </a:p>
@@ -4977,7 +4982,7 @@
           <a:p>
             <a:fld id="{82EB89F9-802F-4316-8B56-B44C5979EDBC}" type="datetimeFigureOut">
               <a:rPr lang="en-US" smtClean="0"/>
-              <a:t>2/6/2018</a:t>
+              <a:t>2/7/2018</a:t>
             </a:fld>
             <a:endParaRPr lang="en-US"/>
           </a:p>
@@ -5809,6 +5814,20 @@
           </a:p>
           <a:p>
             <a:pPr algn="l"/>
+            <a:r>
+              <a:rPr lang="en-US" dirty="0"/>
+              <a:t>SOUTH FLORIDA CODE CAMP</a:t>
+            </a:r>
+          </a:p>
+          <a:p>
+            <a:pPr algn="l"/>
+            <a:r>
+              <a:rPr lang="en-US" dirty="0"/>
+              <a:t>FEBRUARY 10, 2018</a:t>
+            </a:r>
+          </a:p>
+          <a:p>
+            <a:pPr algn="l"/>
             <a:endParaRPr lang="en-US" dirty="0"/>
           </a:p>
         </p:txBody>
@@ -5956,6 +5975,224 @@
           </a:p>
         </p:txBody>
       </p:sp>
+      <p:pic>
+        <p:nvPicPr>
+          <p:cNvPr id="1026" name="Picture 2" descr="https://img.itch.zone/aW1hZ2UyL2phbS8yNjgxLzMyOTQxOS5wbmc=/original/4Pm03N.png">
+            <a:extLst>
+              <a:ext uri="{FF2B5EF4-FFF2-40B4-BE49-F238E27FC236}">
+                <a16:creationId xmlns:a16="http://schemas.microsoft.com/office/drawing/2014/main" id="{F645F194-E95A-4550-9F8A-3C7183E91FA4}"/>
+              </a:ext>
+            </a:extLst>
+          </p:cNvPr>
+          <p:cNvPicPr>
+            <a:picLocks noChangeAspect="1" noChangeArrowheads="1"/>
+          </p:cNvPicPr>
+          <p:nvPr/>
+        </p:nvPicPr>
+        <p:blipFill>
+          <a:blip r:embed="rId2">
+            <a:extLst>
+              <a:ext uri="{28A0092B-C50C-407E-A947-70E740481C1C}">
+                <a14:useLocalDpi xmlns:a14="http://schemas.microsoft.com/office/drawing/2010/main" val="0"/>
+              </a:ext>
+            </a:extLst>
+          </a:blip>
+          <a:srcRect/>
+          <a:stretch>
+            <a:fillRect/>
+          </a:stretch>
+        </p:blipFill>
+        <p:spPr bwMode="auto">
+          <a:xfrm>
+            <a:off x="8707120" y="392112"/>
+            <a:ext cx="3169285" cy="2570643"/>
+          </a:xfrm>
+          <a:prstGeom prst="rect">
+            <a:avLst/>
+          </a:prstGeom>
+          <a:noFill/>
+          <a:extLst>
+            <a:ext uri="{909E8E84-426E-40DD-AFC4-6F175D3DCCD1}">
+              <a14:hiddenFill xmlns:a14="http://schemas.microsoft.com/office/drawing/2010/main">
+                <a:solidFill>
+                  <a:srgbClr val="FFFFFF"/>
+                </a:solidFill>
+              </a14:hiddenFill>
+            </a:ext>
+          </a:extLst>
+        </p:spPr>
+      </p:pic>
+      <p:pic>
+        <p:nvPicPr>
+          <p:cNvPr id="1030" name="Picture 6" descr="https://loiane.gallerycdn.vsassets.io/extensions/loiane/ts-extension-pack/0.0.1/1503435730489/Microsoft.VisualStudio.Services.Icons.Default">
+            <a:extLst>
+              <a:ext uri="{FF2B5EF4-FFF2-40B4-BE49-F238E27FC236}">
+                <a16:creationId xmlns:a16="http://schemas.microsoft.com/office/drawing/2014/main" id="{D2224489-B980-4426-8973-B1E946951825}"/>
+              </a:ext>
+            </a:extLst>
+          </p:cNvPr>
+          <p:cNvPicPr>
+            <a:picLocks noChangeAspect="1" noChangeArrowheads="1"/>
+          </p:cNvPicPr>
+          <p:nvPr/>
+        </p:nvPicPr>
+        <p:blipFill>
+          <a:blip r:embed="rId3">
+            <a:extLst>
+              <a:ext uri="{28A0092B-C50C-407E-A947-70E740481C1C}">
+                <a14:useLocalDpi xmlns:a14="http://schemas.microsoft.com/office/drawing/2010/main" val="0"/>
+              </a:ext>
+            </a:extLst>
+          </a:blip>
+          <a:srcRect/>
+          <a:stretch>
+            <a:fillRect/>
+          </a:stretch>
+        </p:blipFill>
+        <p:spPr bwMode="auto">
+          <a:xfrm>
+            <a:off x="9497695" y="4384040"/>
+            <a:ext cx="2378710" cy="2378710"/>
+          </a:xfrm>
+          <a:prstGeom prst="rect">
+            <a:avLst/>
+          </a:prstGeom>
+          <a:noFill/>
+          <a:extLst>
+            <a:ext uri="{909E8E84-426E-40DD-AFC4-6F175D3DCCD1}">
+              <a14:hiddenFill xmlns:a14="http://schemas.microsoft.com/office/drawing/2010/main">
+                <a:solidFill>
+                  <a:srgbClr val="FFFFFF"/>
+                </a:solidFill>
+              </a14:hiddenFill>
+            </a:ext>
+          </a:extLst>
+        </p:spPr>
+      </p:pic>
+      <p:pic>
+        <p:nvPicPr>
+          <p:cNvPr id="4" name="Picture 3">
+            <a:extLst>
+              <a:ext uri="{FF2B5EF4-FFF2-40B4-BE49-F238E27FC236}">
+                <a16:creationId xmlns:a16="http://schemas.microsoft.com/office/drawing/2014/main" id="{F849D8EE-349D-494D-B892-3DCD0107C0D2}"/>
+              </a:ext>
+            </a:extLst>
+          </p:cNvPr>
+          <p:cNvPicPr>
+            <a:picLocks noChangeAspect="1"/>
+          </p:cNvPicPr>
+          <p:nvPr/>
+        </p:nvPicPr>
+        <p:blipFill>
+          <a:blip r:embed="rId4"/>
+          <a:stretch>
+            <a:fillRect/>
+          </a:stretch>
+        </p:blipFill>
+        <p:spPr>
+          <a:xfrm>
+            <a:off x="312419" y="392112"/>
+            <a:ext cx="3599181" cy="1857375"/>
+          </a:xfrm>
+          <a:prstGeom prst="rect">
+            <a:avLst/>
+          </a:prstGeom>
+        </p:spPr>
+      </p:pic>
+      <p:pic>
+        <p:nvPicPr>
+          <p:cNvPr id="1032" name="Picture 8" descr="https://cdn1.expertinsurancereviews.com/wp-content/uploads/2017/07/CUNA-Mutual-300-1.png">
+            <a:extLst>
+              <a:ext uri="{FF2B5EF4-FFF2-40B4-BE49-F238E27FC236}">
+                <a16:creationId xmlns:a16="http://schemas.microsoft.com/office/drawing/2014/main" id="{004E63C3-FF09-4DCD-A0DB-485B5AFB264B}"/>
+              </a:ext>
+            </a:extLst>
+          </p:cNvPr>
+          <p:cNvPicPr>
+            <a:picLocks noChangeAspect="1" noChangeArrowheads="1"/>
+          </p:cNvPicPr>
+          <p:nvPr/>
+        </p:nvPicPr>
+        <p:blipFill>
+          <a:blip r:embed="rId5">
+            <a:extLst>
+              <a:ext uri="{28A0092B-C50C-407E-A947-70E740481C1C}">
+                <a14:useLocalDpi xmlns:a14="http://schemas.microsoft.com/office/drawing/2010/main" val="0"/>
+              </a:ext>
+            </a:extLst>
+          </a:blip>
+          <a:srcRect/>
+          <a:stretch>
+            <a:fillRect/>
+          </a:stretch>
+        </p:blipFill>
+        <p:spPr bwMode="auto">
+          <a:xfrm>
+            <a:off x="312419" y="3905250"/>
+            <a:ext cx="2857500" cy="2857500"/>
+          </a:xfrm>
+          <a:prstGeom prst="rect">
+            <a:avLst/>
+          </a:prstGeom>
+          <a:noFill/>
+          <a:extLst>
+            <a:ext uri="{909E8E84-426E-40DD-AFC4-6F175D3DCCD1}">
+              <a14:hiddenFill xmlns:a14="http://schemas.microsoft.com/office/drawing/2010/main">
+                <a:solidFill>
+                  <a:srgbClr val="FFFFFF"/>
+                </a:solidFill>
+              </a14:hiddenFill>
+            </a:ext>
+          </a:extLst>
+        </p:spPr>
+      </p:pic>
+      <p:pic>
+        <p:nvPicPr>
+          <p:cNvPr id="1034" name="Picture 10" descr="https://pbs.twimg.com/profile_images/954427679977111552/ZTYwRl1t_400x400.jpg">
+            <a:extLst>
+              <a:ext uri="{FF2B5EF4-FFF2-40B4-BE49-F238E27FC236}">
+                <a16:creationId xmlns:a16="http://schemas.microsoft.com/office/drawing/2014/main" id="{BCEFF82B-71D6-469A-ACAD-780A4404F2FA}"/>
+              </a:ext>
+            </a:extLst>
+          </p:cNvPr>
+          <p:cNvPicPr>
+            <a:picLocks noChangeAspect="1" noChangeArrowheads="1"/>
+          </p:cNvPicPr>
+          <p:nvPr/>
+        </p:nvPicPr>
+        <p:blipFill>
+          <a:blip r:embed="rId6">
+            <a:extLst>
+              <a:ext uri="{28A0092B-C50C-407E-A947-70E740481C1C}">
+                <a14:useLocalDpi xmlns:a14="http://schemas.microsoft.com/office/drawing/2010/main" val="0"/>
+              </a:ext>
+            </a:extLst>
+          </a:blip>
+          <a:srcRect/>
+          <a:stretch>
+            <a:fillRect/>
+          </a:stretch>
+        </p:blipFill>
+        <p:spPr bwMode="auto">
+          <a:xfrm>
+            <a:off x="4428807" y="1677433"/>
+            <a:ext cx="3810000" cy="3810000"/>
+          </a:xfrm>
+          <a:prstGeom prst="rect">
+            <a:avLst/>
+          </a:prstGeom>
+          <a:noFill/>
+          <a:extLst>
+            <a:ext uri="{909E8E84-426E-40DD-AFC4-6F175D3DCCD1}">
+              <a14:hiddenFill xmlns:a14="http://schemas.microsoft.com/office/drawing/2010/main">
+                <a:solidFill>
+                  <a:srgbClr val="FFFFFF"/>
+                </a:solidFill>
+              </a14:hiddenFill>
+            </a:ext>
+          </a:extLst>
+        </p:spPr>
+      </p:pic>
     </p:spTree>
     <p:extLst>
       <p:ext uri="{BB962C8B-B14F-4D97-AF65-F5344CB8AC3E}">
@@ -7533,7 +7770,7 @@
                   <a:schemeClr val="bg1"/>
                 </a:solidFill>
               </a:rPr>
-              <a:t>Using the repeat() notation</a:t>
+              <a:t>   Using the repeat() notation</a:t>
             </a:r>
           </a:p>
           <a:p>
@@ -8134,7 +8371,7 @@
                   <a:schemeClr val="bg1"/>
                 </a:solidFill>
               </a:rPr>
-              <a:t>Using the </a:t>
+              <a:t>   Using the </a:t>
             </a:r>
             <a:r>
               <a:rPr lang="en-US" sz="4000" b="1" dirty="0" err="1">
@@ -8682,7 +8919,7 @@
                   <a:schemeClr val="bg1"/>
                 </a:solidFill>
               </a:rPr>
-              <a:t>Using the </a:t>
+              <a:t>   Using the </a:t>
             </a:r>
             <a:r>
               <a:rPr lang="en-US" sz="4000" b="1" dirty="0" err="1">
@@ -9230,7 +9467,7 @@
                   <a:schemeClr val="bg1"/>
                 </a:solidFill>
               </a:rPr>
-              <a:t>Using the </a:t>
+              <a:t>   Using the </a:t>
             </a:r>
             <a:r>
               <a:rPr lang="en-US" sz="4000" b="1" dirty="0" err="1">
@@ -9690,7 +9927,7 @@
                   <a:schemeClr val="bg1"/>
                 </a:solidFill>
               </a:rPr>
-              <a:t>Grid lines</a:t>
+              <a:t>   Grid lines</a:t>
             </a:r>
           </a:p>
           <a:p>
